--- a/ppt 16-9/0688.我们要祷告.pptx
+++ b/ppt 16-9/0688.我们要祷告.pptx
@@ -5,7 +5,7 @@
     <p:sldMasterId id="2147483648" r:id="rId1"/>
   </p:sldMasterIdLst>
   <p:sldIdLst>
-    <p:sldId id="2500" r:id="rId2"/>
+    <p:sldId id="2501" r:id="rId2"/>
   </p:sldIdLst>
   <p:sldSz cx="12192000" cy="6858000"/>
   <p:notesSz cx="6858000" cy="9144000"/>
@@ -129,7 +129,7 @@
           <p:cNvPr id="2" name="标题 1">
             <a:extLst>
               <a:ext uri="{FF2B5EF4-FFF2-40B4-BE49-F238E27FC236}">
-                <a16:creationId xmlns:a16="http://schemas.microsoft.com/office/drawing/2014/main" id="{2DEA13B6-38F1-D92F-4016-F2BA5CC0AE3A}"/>
+                <a16:creationId xmlns:a16="http://schemas.microsoft.com/office/drawing/2014/main" id="{BBDBFF47-2203-3CF9-3C32-41823855E20C}"/>
               </a:ext>
             </a:extLst>
           </p:cNvPr>
@@ -166,7 +166,7 @@
           <p:cNvPr id="3" name="副标题 2">
             <a:extLst>
               <a:ext uri="{FF2B5EF4-FFF2-40B4-BE49-F238E27FC236}">
-                <a16:creationId xmlns:a16="http://schemas.microsoft.com/office/drawing/2014/main" id="{1088ADBE-A70A-8A8D-5984-6F77FAE1843C}"/>
+                <a16:creationId xmlns:a16="http://schemas.microsoft.com/office/drawing/2014/main" id="{EED4438D-8ED1-B399-0C01-89FBDFC2CB59}"/>
               </a:ext>
             </a:extLst>
           </p:cNvPr>
@@ -236,7 +236,7 @@
           <p:cNvPr id="4" name="日期占位符 3">
             <a:extLst>
               <a:ext uri="{FF2B5EF4-FFF2-40B4-BE49-F238E27FC236}">
-                <a16:creationId xmlns:a16="http://schemas.microsoft.com/office/drawing/2014/main" id="{2E39CCD4-6EB5-385F-08BF-96F7AD08A360}"/>
+                <a16:creationId xmlns:a16="http://schemas.microsoft.com/office/drawing/2014/main" id="{ACBC6772-F16A-8BB8-00D0-7A154F0C40F1}"/>
               </a:ext>
             </a:extLst>
           </p:cNvPr>
@@ -252,7 +252,7 @@
           <a:bodyPr/>
           <a:lstStyle/>
           <a:p>
-            <a:fld id="{AFB696FD-DAA3-480B-9504-6C0D9ED5C193}" type="datetimeFigureOut">
+            <a:fld id="{76231495-5BF0-465B-9192-FFFB3D2A8667}" type="datetimeFigureOut">
               <a:rPr lang="zh-CN" altLang="en-US" smtClean="0"/>
               <a:t>2024/3/10</a:t>
             </a:fld>
@@ -265,7 +265,7 @@
           <p:cNvPr id="5" name="页脚占位符 4">
             <a:extLst>
               <a:ext uri="{FF2B5EF4-FFF2-40B4-BE49-F238E27FC236}">
-                <a16:creationId xmlns:a16="http://schemas.microsoft.com/office/drawing/2014/main" id="{3E28D322-A73F-C8F0-FF1B-FDDABE5CFB4A}"/>
+                <a16:creationId xmlns:a16="http://schemas.microsoft.com/office/drawing/2014/main" id="{AABC24F5-53E7-19BC-33EF-5B03D44B791A}"/>
               </a:ext>
             </a:extLst>
           </p:cNvPr>
@@ -290,7 +290,7 @@
           <p:cNvPr id="6" name="灯片编号占位符 5">
             <a:extLst>
               <a:ext uri="{FF2B5EF4-FFF2-40B4-BE49-F238E27FC236}">
-                <a16:creationId xmlns:a16="http://schemas.microsoft.com/office/drawing/2014/main" id="{D0AE535E-6034-228A-E127-7C4639FD7490}"/>
+                <a16:creationId xmlns:a16="http://schemas.microsoft.com/office/drawing/2014/main" id="{681174F5-58A6-093F-8059-CF5AED1E898D}"/>
               </a:ext>
             </a:extLst>
           </p:cNvPr>
@@ -306,7 +306,7 @@
           <a:bodyPr/>
           <a:lstStyle/>
           <a:p>
-            <a:fld id="{27D710B0-4FE3-4E21-A7BD-9B4FA4F5F5E5}" type="slidenum">
+            <a:fld id="{57CBA647-EE2D-49B9-B1D8-9D40297BB86E}" type="slidenum">
               <a:rPr lang="zh-CN" altLang="en-US" smtClean="0"/>
               <a:t>‹#›</a:t>
             </a:fld>
@@ -317,7 +317,7 @@
     </p:spTree>
     <p:extLst>
       <p:ext uri="{BB962C8B-B14F-4D97-AF65-F5344CB8AC3E}">
-        <p14:creationId xmlns:p14="http://schemas.microsoft.com/office/powerpoint/2010/main" val="283901360"/>
+        <p14:creationId xmlns:p14="http://schemas.microsoft.com/office/powerpoint/2010/main" val="3611927204"/>
       </p:ext>
     </p:extLst>
   </p:cSld>
@@ -349,7 +349,7 @@
           <p:cNvPr id="2" name="标题 1">
             <a:extLst>
               <a:ext uri="{FF2B5EF4-FFF2-40B4-BE49-F238E27FC236}">
-                <a16:creationId xmlns:a16="http://schemas.microsoft.com/office/drawing/2014/main" id="{3AC2553F-BCE2-3B39-0AAE-6E4025A060D6}"/>
+                <a16:creationId xmlns:a16="http://schemas.microsoft.com/office/drawing/2014/main" id="{63860D6A-0441-A4FE-D953-CB9282730FA8}"/>
               </a:ext>
             </a:extLst>
           </p:cNvPr>
@@ -377,7 +377,7 @@
           <p:cNvPr id="3" name="竖排文字占位符 2">
             <a:extLst>
               <a:ext uri="{FF2B5EF4-FFF2-40B4-BE49-F238E27FC236}">
-                <a16:creationId xmlns:a16="http://schemas.microsoft.com/office/drawing/2014/main" id="{9B103DB3-C0FC-3830-88F6-6D9B7A838FE2}"/>
+                <a16:creationId xmlns:a16="http://schemas.microsoft.com/office/drawing/2014/main" id="{803D2E7C-2CB6-AF19-DB00-1B54B1F7A8DB}"/>
               </a:ext>
             </a:extLst>
           </p:cNvPr>
@@ -434,7 +434,7 @@
           <p:cNvPr id="4" name="日期占位符 3">
             <a:extLst>
               <a:ext uri="{FF2B5EF4-FFF2-40B4-BE49-F238E27FC236}">
-                <a16:creationId xmlns:a16="http://schemas.microsoft.com/office/drawing/2014/main" id="{F6ED9E0E-1FCE-D149-83AF-BD9047D45F7E}"/>
+                <a16:creationId xmlns:a16="http://schemas.microsoft.com/office/drawing/2014/main" id="{6958C4F4-649D-2CDC-DB9B-37AFE166296E}"/>
               </a:ext>
             </a:extLst>
           </p:cNvPr>
@@ -450,7 +450,7 @@
           <a:bodyPr/>
           <a:lstStyle/>
           <a:p>
-            <a:fld id="{AFB696FD-DAA3-480B-9504-6C0D9ED5C193}" type="datetimeFigureOut">
+            <a:fld id="{76231495-5BF0-465B-9192-FFFB3D2A8667}" type="datetimeFigureOut">
               <a:rPr lang="zh-CN" altLang="en-US" smtClean="0"/>
               <a:t>2024/3/10</a:t>
             </a:fld>
@@ -463,7 +463,7 @@
           <p:cNvPr id="5" name="页脚占位符 4">
             <a:extLst>
               <a:ext uri="{FF2B5EF4-FFF2-40B4-BE49-F238E27FC236}">
-                <a16:creationId xmlns:a16="http://schemas.microsoft.com/office/drawing/2014/main" id="{073B5BF2-566E-9049-E40F-E7BE9543F7FA}"/>
+                <a16:creationId xmlns:a16="http://schemas.microsoft.com/office/drawing/2014/main" id="{D6B9CEAC-1E07-9DF5-0B90-07E9632FD977}"/>
               </a:ext>
             </a:extLst>
           </p:cNvPr>
@@ -488,7 +488,7 @@
           <p:cNvPr id="6" name="灯片编号占位符 5">
             <a:extLst>
               <a:ext uri="{FF2B5EF4-FFF2-40B4-BE49-F238E27FC236}">
-                <a16:creationId xmlns:a16="http://schemas.microsoft.com/office/drawing/2014/main" id="{A6D9C2BC-E92E-CCAA-C806-93E1928F7BEA}"/>
+                <a16:creationId xmlns:a16="http://schemas.microsoft.com/office/drawing/2014/main" id="{7756490C-9E15-273D-2E72-EAFA85CB1CD2}"/>
               </a:ext>
             </a:extLst>
           </p:cNvPr>
@@ -504,7 +504,7 @@
           <a:bodyPr/>
           <a:lstStyle/>
           <a:p>
-            <a:fld id="{27D710B0-4FE3-4E21-A7BD-9B4FA4F5F5E5}" type="slidenum">
+            <a:fld id="{57CBA647-EE2D-49B9-B1D8-9D40297BB86E}" type="slidenum">
               <a:rPr lang="zh-CN" altLang="en-US" smtClean="0"/>
               <a:t>‹#›</a:t>
             </a:fld>
@@ -515,7 +515,7 @@
     </p:spTree>
     <p:extLst>
       <p:ext uri="{BB962C8B-B14F-4D97-AF65-F5344CB8AC3E}">
-        <p14:creationId xmlns:p14="http://schemas.microsoft.com/office/powerpoint/2010/main" val="1200095445"/>
+        <p14:creationId xmlns:p14="http://schemas.microsoft.com/office/powerpoint/2010/main" val="695676173"/>
       </p:ext>
     </p:extLst>
   </p:cSld>
@@ -547,7 +547,7 @@
           <p:cNvPr id="2" name="竖排标题 1">
             <a:extLst>
               <a:ext uri="{FF2B5EF4-FFF2-40B4-BE49-F238E27FC236}">
-                <a16:creationId xmlns:a16="http://schemas.microsoft.com/office/drawing/2014/main" id="{19CA3DEE-C24D-471E-4164-9950933CC050}"/>
+                <a16:creationId xmlns:a16="http://schemas.microsoft.com/office/drawing/2014/main" id="{A6DEB0EC-B574-2DEC-A26B-1AF62151D88A}"/>
               </a:ext>
             </a:extLst>
           </p:cNvPr>
@@ -580,7 +580,7 @@
           <p:cNvPr id="3" name="竖排文字占位符 2">
             <a:extLst>
               <a:ext uri="{FF2B5EF4-FFF2-40B4-BE49-F238E27FC236}">
-                <a16:creationId xmlns:a16="http://schemas.microsoft.com/office/drawing/2014/main" id="{B5F5EFD1-467A-48CA-6B70-1285D827A93A}"/>
+                <a16:creationId xmlns:a16="http://schemas.microsoft.com/office/drawing/2014/main" id="{6A830894-25EE-650D-21CB-C564EAF526E5}"/>
               </a:ext>
             </a:extLst>
           </p:cNvPr>
@@ -642,7 +642,7 @@
           <p:cNvPr id="4" name="日期占位符 3">
             <a:extLst>
               <a:ext uri="{FF2B5EF4-FFF2-40B4-BE49-F238E27FC236}">
-                <a16:creationId xmlns:a16="http://schemas.microsoft.com/office/drawing/2014/main" id="{3AD313BE-C204-D9D5-8037-6B003A0D1A06}"/>
+                <a16:creationId xmlns:a16="http://schemas.microsoft.com/office/drawing/2014/main" id="{A6DEB75D-09AE-04D0-0104-60C52BB88E99}"/>
               </a:ext>
             </a:extLst>
           </p:cNvPr>
@@ -658,7 +658,7 @@
           <a:bodyPr/>
           <a:lstStyle/>
           <a:p>
-            <a:fld id="{AFB696FD-DAA3-480B-9504-6C0D9ED5C193}" type="datetimeFigureOut">
+            <a:fld id="{76231495-5BF0-465B-9192-FFFB3D2A8667}" type="datetimeFigureOut">
               <a:rPr lang="zh-CN" altLang="en-US" smtClean="0"/>
               <a:t>2024/3/10</a:t>
             </a:fld>
@@ -671,7 +671,7 @@
           <p:cNvPr id="5" name="页脚占位符 4">
             <a:extLst>
               <a:ext uri="{FF2B5EF4-FFF2-40B4-BE49-F238E27FC236}">
-                <a16:creationId xmlns:a16="http://schemas.microsoft.com/office/drawing/2014/main" id="{1FB6F07D-062D-0D2B-B2A0-C5E9A06223FA}"/>
+                <a16:creationId xmlns:a16="http://schemas.microsoft.com/office/drawing/2014/main" id="{4463335F-534E-F944-29F9-6018D8C89DE2}"/>
               </a:ext>
             </a:extLst>
           </p:cNvPr>
@@ -696,7 +696,7 @@
           <p:cNvPr id="6" name="灯片编号占位符 5">
             <a:extLst>
               <a:ext uri="{FF2B5EF4-FFF2-40B4-BE49-F238E27FC236}">
-                <a16:creationId xmlns:a16="http://schemas.microsoft.com/office/drawing/2014/main" id="{3F5B04F8-FA0E-59CD-F283-866FC8C77D5F}"/>
+                <a16:creationId xmlns:a16="http://schemas.microsoft.com/office/drawing/2014/main" id="{ACF4C6E0-AF2B-F6FE-6C93-16A80575F2AC}"/>
               </a:ext>
             </a:extLst>
           </p:cNvPr>
@@ -712,7 +712,7 @@
           <a:bodyPr/>
           <a:lstStyle/>
           <a:p>
-            <a:fld id="{27D710B0-4FE3-4E21-A7BD-9B4FA4F5F5E5}" type="slidenum">
+            <a:fld id="{57CBA647-EE2D-49B9-B1D8-9D40297BB86E}" type="slidenum">
               <a:rPr lang="zh-CN" altLang="en-US" smtClean="0"/>
               <a:t>‹#›</a:t>
             </a:fld>
@@ -723,7 +723,7 @@
     </p:spTree>
     <p:extLst>
       <p:ext uri="{BB962C8B-B14F-4D97-AF65-F5344CB8AC3E}">
-        <p14:creationId xmlns:p14="http://schemas.microsoft.com/office/powerpoint/2010/main" val="592899642"/>
+        <p14:creationId xmlns:p14="http://schemas.microsoft.com/office/powerpoint/2010/main" val="1133910650"/>
       </p:ext>
     </p:extLst>
   </p:cSld>
@@ -755,7 +755,7 @@
           <p:cNvPr id="2" name="标题 1">
             <a:extLst>
               <a:ext uri="{FF2B5EF4-FFF2-40B4-BE49-F238E27FC236}">
-                <a16:creationId xmlns:a16="http://schemas.microsoft.com/office/drawing/2014/main" id="{75437D98-A76C-59AA-03DF-1F92E139AA1B}"/>
+                <a16:creationId xmlns:a16="http://schemas.microsoft.com/office/drawing/2014/main" id="{DFC7A3B4-0F48-24CD-3FE0-A357D38066AF}"/>
               </a:ext>
             </a:extLst>
           </p:cNvPr>
@@ -783,7 +783,7 @@
           <p:cNvPr id="3" name="内容占位符 2">
             <a:extLst>
               <a:ext uri="{FF2B5EF4-FFF2-40B4-BE49-F238E27FC236}">
-                <a16:creationId xmlns:a16="http://schemas.microsoft.com/office/drawing/2014/main" id="{75876001-1F24-6013-6DFA-7BDA06B7DE5D}"/>
+                <a16:creationId xmlns:a16="http://schemas.microsoft.com/office/drawing/2014/main" id="{C9A2CE97-791D-8EE5-BFAD-2FD3CD99EEC8}"/>
               </a:ext>
             </a:extLst>
           </p:cNvPr>
@@ -840,7 +840,7 @@
           <p:cNvPr id="4" name="日期占位符 3">
             <a:extLst>
               <a:ext uri="{FF2B5EF4-FFF2-40B4-BE49-F238E27FC236}">
-                <a16:creationId xmlns:a16="http://schemas.microsoft.com/office/drawing/2014/main" id="{0AE77745-8E3A-7CA3-559D-62B2D6C02917}"/>
+                <a16:creationId xmlns:a16="http://schemas.microsoft.com/office/drawing/2014/main" id="{DCA912DC-1865-1712-EEB5-1D91CD81926D}"/>
               </a:ext>
             </a:extLst>
           </p:cNvPr>
@@ -856,7 +856,7 @@
           <a:bodyPr/>
           <a:lstStyle/>
           <a:p>
-            <a:fld id="{AFB696FD-DAA3-480B-9504-6C0D9ED5C193}" type="datetimeFigureOut">
+            <a:fld id="{76231495-5BF0-465B-9192-FFFB3D2A8667}" type="datetimeFigureOut">
               <a:rPr lang="zh-CN" altLang="en-US" smtClean="0"/>
               <a:t>2024/3/10</a:t>
             </a:fld>
@@ -869,7 +869,7 @@
           <p:cNvPr id="5" name="页脚占位符 4">
             <a:extLst>
               <a:ext uri="{FF2B5EF4-FFF2-40B4-BE49-F238E27FC236}">
-                <a16:creationId xmlns:a16="http://schemas.microsoft.com/office/drawing/2014/main" id="{463D39C3-BC0B-239F-3B38-69D06CD5C280}"/>
+                <a16:creationId xmlns:a16="http://schemas.microsoft.com/office/drawing/2014/main" id="{156D8123-CA40-EEF8-527A-2AF344CF3503}"/>
               </a:ext>
             </a:extLst>
           </p:cNvPr>
@@ -894,7 +894,7 @@
           <p:cNvPr id="6" name="灯片编号占位符 5">
             <a:extLst>
               <a:ext uri="{FF2B5EF4-FFF2-40B4-BE49-F238E27FC236}">
-                <a16:creationId xmlns:a16="http://schemas.microsoft.com/office/drawing/2014/main" id="{3558A2F2-037A-5E62-965E-012AD1CD00BA}"/>
+                <a16:creationId xmlns:a16="http://schemas.microsoft.com/office/drawing/2014/main" id="{6E0DE127-8916-F401-1EE0-ACD1AD6E6B6C}"/>
               </a:ext>
             </a:extLst>
           </p:cNvPr>
@@ -910,7 +910,7 @@
           <a:bodyPr/>
           <a:lstStyle/>
           <a:p>
-            <a:fld id="{27D710B0-4FE3-4E21-A7BD-9B4FA4F5F5E5}" type="slidenum">
+            <a:fld id="{57CBA647-EE2D-49B9-B1D8-9D40297BB86E}" type="slidenum">
               <a:rPr lang="zh-CN" altLang="en-US" smtClean="0"/>
               <a:t>‹#›</a:t>
             </a:fld>
@@ -921,7 +921,7 @@
     </p:spTree>
     <p:extLst>
       <p:ext uri="{BB962C8B-B14F-4D97-AF65-F5344CB8AC3E}">
-        <p14:creationId xmlns:p14="http://schemas.microsoft.com/office/powerpoint/2010/main" val="737625208"/>
+        <p14:creationId xmlns:p14="http://schemas.microsoft.com/office/powerpoint/2010/main" val="1559630829"/>
       </p:ext>
     </p:extLst>
   </p:cSld>
@@ -953,7 +953,7 @@
           <p:cNvPr id="2" name="标题 1">
             <a:extLst>
               <a:ext uri="{FF2B5EF4-FFF2-40B4-BE49-F238E27FC236}">
-                <a16:creationId xmlns:a16="http://schemas.microsoft.com/office/drawing/2014/main" id="{D850B634-3767-92D3-E638-8A672E8B02D9}"/>
+                <a16:creationId xmlns:a16="http://schemas.microsoft.com/office/drawing/2014/main" id="{C75ACDE1-4297-55B5-1BFC-1505169AE056}"/>
               </a:ext>
             </a:extLst>
           </p:cNvPr>
@@ -990,7 +990,7 @@
           <p:cNvPr id="3" name="文本占位符 2">
             <a:extLst>
               <a:ext uri="{FF2B5EF4-FFF2-40B4-BE49-F238E27FC236}">
-                <a16:creationId xmlns:a16="http://schemas.microsoft.com/office/drawing/2014/main" id="{E076CE04-014E-4438-9E66-F2A7E5C2DA21}"/>
+                <a16:creationId xmlns:a16="http://schemas.microsoft.com/office/drawing/2014/main" id="{D74D40D5-313E-7169-55A9-BCBC571848C4}"/>
               </a:ext>
             </a:extLst>
           </p:cNvPr>
@@ -1115,7 +1115,7 @@
           <p:cNvPr id="4" name="日期占位符 3">
             <a:extLst>
               <a:ext uri="{FF2B5EF4-FFF2-40B4-BE49-F238E27FC236}">
-                <a16:creationId xmlns:a16="http://schemas.microsoft.com/office/drawing/2014/main" id="{00E2973A-ABE4-AE57-6C64-89CD72004689}"/>
+                <a16:creationId xmlns:a16="http://schemas.microsoft.com/office/drawing/2014/main" id="{C1610860-799C-A061-ACE2-E09013BF276B}"/>
               </a:ext>
             </a:extLst>
           </p:cNvPr>
@@ -1131,7 +1131,7 @@
           <a:bodyPr/>
           <a:lstStyle/>
           <a:p>
-            <a:fld id="{AFB696FD-DAA3-480B-9504-6C0D9ED5C193}" type="datetimeFigureOut">
+            <a:fld id="{76231495-5BF0-465B-9192-FFFB3D2A8667}" type="datetimeFigureOut">
               <a:rPr lang="zh-CN" altLang="en-US" smtClean="0"/>
               <a:t>2024/3/10</a:t>
             </a:fld>
@@ -1144,7 +1144,7 @@
           <p:cNvPr id="5" name="页脚占位符 4">
             <a:extLst>
               <a:ext uri="{FF2B5EF4-FFF2-40B4-BE49-F238E27FC236}">
-                <a16:creationId xmlns:a16="http://schemas.microsoft.com/office/drawing/2014/main" id="{2D39E329-BC9B-CC05-2A6E-A66BFA56452C}"/>
+                <a16:creationId xmlns:a16="http://schemas.microsoft.com/office/drawing/2014/main" id="{2F6008B0-995B-D89A-310C-24D9CB1963CE}"/>
               </a:ext>
             </a:extLst>
           </p:cNvPr>
@@ -1169,7 +1169,7 @@
           <p:cNvPr id="6" name="灯片编号占位符 5">
             <a:extLst>
               <a:ext uri="{FF2B5EF4-FFF2-40B4-BE49-F238E27FC236}">
-                <a16:creationId xmlns:a16="http://schemas.microsoft.com/office/drawing/2014/main" id="{D8A270A2-7669-C184-5585-B8742A13C66E}"/>
+                <a16:creationId xmlns:a16="http://schemas.microsoft.com/office/drawing/2014/main" id="{0B03369A-BE53-2A9A-D747-B050AECA59B4}"/>
               </a:ext>
             </a:extLst>
           </p:cNvPr>
@@ -1185,7 +1185,7 @@
           <a:bodyPr/>
           <a:lstStyle/>
           <a:p>
-            <a:fld id="{27D710B0-4FE3-4E21-A7BD-9B4FA4F5F5E5}" type="slidenum">
+            <a:fld id="{57CBA647-EE2D-49B9-B1D8-9D40297BB86E}" type="slidenum">
               <a:rPr lang="zh-CN" altLang="en-US" smtClean="0"/>
               <a:t>‹#›</a:t>
             </a:fld>
@@ -1196,7 +1196,7 @@
     </p:spTree>
     <p:extLst>
       <p:ext uri="{BB962C8B-B14F-4D97-AF65-F5344CB8AC3E}">
-        <p14:creationId xmlns:p14="http://schemas.microsoft.com/office/powerpoint/2010/main" val="2181289877"/>
+        <p14:creationId xmlns:p14="http://schemas.microsoft.com/office/powerpoint/2010/main" val="193925081"/>
       </p:ext>
     </p:extLst>
   </p:cSld>
@@ -1228,7 +1228,7 @@
           <p:cNvPr id="2" name="标题 1">
             <a:extLst>
               <a:ext uri="{FF2B5EF4-FFF2-40B4-BE49-F238E27FC236}">
-                <a16:creationId xmlns:a16="http://schemas.microsoft.com/office/drawing/2014/main" id="{4711F457-F055-3D2E-2006-3306FC1CE545}"/>
+                <a16:creationId xmlns:a16="http://schemas.microsoft.com/office/drawing/2014/main" id="{B3318216-0AC4-5BD7-55D6-57B0F8B81719}"/>
               </a:ext>
             </a:extLst>
           </p:cNvPr>
@@ -1256,7 +1256,7 @@
           <p:cNvPr id="3" name="内容占位符 2">
             <a:extLst>
               <a:ext uri="{FF2B5EF4-FFF2-40B4-BE49-F238E27FC236}">
-                <a16:creationId xmlns:a16="http://schemas.microsoft.com/office/drawing/2014/main" id="{1DC047AC-D831-EED4-4CF4-4E20BD5894E2}"/>
+                <a16:creationId xmlns:a16="http://schemas.microsoft.com/office/drawing/2014/main" id="{2D76EF72-CC7F-10B8-734C-9D6D284EFBD4}"/>
               </a:ext>
             </a:extLst>
           </p:cNvPr>
@@ -1318,7 +1318,7 @@
           <p:cNvPr id="4" name="内容占位符 3">
             <a:extLst>
               <a:ext uri="{FF2B5EF4-FFF2-40B4-BE49-F238E27FC236}">
-                <a16:creationId xmlns:a16="http://schemas.microsoft.com/office/drawing/2014/main" id="{AE5FFC86-2BCA-BA88-6639-3C8A22A50F80}"/>
+                <a16:creationId xmlns:a16="http://schemas.microsoft.com/office/drawing/2014/main" id="{3735510C-910E-10F4-24E6-9AB53F02C2AD}"/>
               </a:ext>
             </a:extLst>
           </p:cNvPr>
@@ -1380,7 +1380,7 @@
           <p:cNvPr id="5" name="日期占位符 4">
             <a:extLst>
               <a:ext uri="{FF2B5EF4-FFF2-40B4-BE49-F238E27FC236}">
-                <a16:creationId xmlns:a16="http://schemas.microsoft.com/office/drawing/2014/main" id="{E9654002-26E4-1935-0970-91E09449E806}"/>
+                <a16:creationId xmlns:a16="http://schemas.microsoft.com/office/drawing/2014/main" id="{094F17BD-D778-34A4-2992-435F481E9A8D}"/>
               </a:ext>
             </a:extLst>
           </p:cNvPr>
@@ -1396,7 +1396,7 @@
           <a:bodyPr/>
           <a:lstStyle/>
           <a:p>
-            <a:fld id="{AFB696FD-DAA3-480B-9504-6C0D9ED5C193}" type="datetimeFigureOut">
+            <a:fld id="{76231495-5BF0-465B-9192-FFFB3D2A8667}" type="datetimeFigureOut">
               <a:rPr lang="zh-CN" altLang="en-US" smtClean="0"/>
               <a:t>2024/3/10</a:t>
             </a:fld>
@@ -1409,7 +1409,7 @@
           <p:cNvPr id="6" name="页脚占位符 5">
             <a:extLst>
               <a:ext uri="{FF2B5EF4-FFF2-40B4-BE49-F238E27FC236}">
-                <a16:creationId xmlns:a16="http://schemas.microsoft.com/office/drawing/2014/main" id="{101E1EF9-CC2B-BB27-F175-9C60F0D53CEE}"/>
+                <a16:creationId xmlns:a16="http://schemas.microsoft.com/office/drawing/2014/main" id="{E8403658-D2C0-1EED-EE0F-4ADC5698F6F5}"/>
               </a:ext>
             </a:extLst>
           </p:cNvPr>
@@ -1434,7 +1434,7 @@
           <p:cNvPr id="7" name="灯片编号占位符 6">
             <a:extLst>
               <a:ext uri="{FF2B5EF4-FFF2-40B4-BE49-F238E27FC236}">
-                <a16:creationId xmlns:a16="http://schemas.microsoft.com/office/drawing/2014/main" id="{62CE664D-71AE-2807-0A17-766DB0846DC3}"/>
+                <a16:creationId xmlns:a16="http://schemas.microsoft.com/office/drawing/2014/main" id="{907F286D-123C-F297-3251-0C8955087EDD}"/>
               </a:ext>
             </a:extLst>
           </p:cNvPr>
@@ -1450,7 +1450,7 @@
           <a:bodyPr/>
           <a:lstStyle/>
           <a:p>
-            <a:fld id="{27D710B0-4FE3-4E21-A7BD-9B4FA4F5F5E5}" type="slidenum">
+            <a:fld id="{57CBA647-EE2D-49B9-B1D8-9D40297BB86E}" type="slidenum">
               <a:rPr lang="zh-CN" altLang="en-US" smtClean="0"/>
               <a:t>‹#›</a:t>
             </a:fld>
@@ -1461,7 +1461,7 @@
     </p:spTree>
     <p:extLst>
       <p:ext uri="{BB962C8B-B14F-4D97-AF65-F5344CB8AC3E}">
-        <p14:creationId xmlns:p14="http://schemas.microsoft.com/office/powerpoint/2010/main" val="689574386"/>
+        <p14:creationId xmlns:p14="http://schemas.microsoft.com/office/powerpoint/2010/main" val="683109290"/>
       </p:ext>
     </p:extLst>
   </p:cSld>
@@ -1493,7 +1493,7 @@
           <p:cNvPr id="2" name="标题 1">
             <a:extLst>
               <a:ext uri="{FF2B5EF4-FFF2-40B4-BE49-F238E27FC236}">
-                <a16:creationId xmlns:a16="http://schemas.microsoft.com/office/drawing/2014/main" id="{575E651A-418C-B0E9-628E-287E98DA92E7}"/>
+                <a16:creationId xmlns:a16="http://schemas.microsoft.com/office/drawing/2014/main" id="{1D62F6DF-06E5-FA8B-690D-4F24756C8AC6}"/>
               </a:ext>
             </a:extLst>
           </p:cNvPr>
@@ -1526,7 +1526,7 @@
           <p:cNvPr id="3" name="文本占位符 2">
             <a:extLst>
               <a:ext uri="{FF2B5EF4-FFF2-40B4-BE49-F238E27FC236}">
-                <a16:creationId xmlns:a16="http://schemas.microsoft.com/office/drawing/2014/main" id="{D4BC764D-1717-1340-C610-1BCA6F6BE06B}"/>
+                <a16:creationId xmlns:a16="http://schemas.microsoft.com/office/drawing/2014/main" id="{F0222B06-6C0E-573E-609C-4355BEB087C9}"/>
               </a:ext>
             </a:extLst>
           </p:cNvPr>
@@ -1597,7 +1597,7 @@
           <p:cNvPr id="4" name="内容占位符 3">
             <a:extLst>
               <a:ext uri="{FF2B5EF4-FFF2-40B4-BE49-F238E27FC236}">
-                <a16:creationId xmlns:a16="http://schemas.microsoft.com/office/drawing/2014/main" id="{42465EB3-D1CC-F909-0E47-035BAC640205}"/>
+                <a16:creationId xmlns:a16="http://schemas.microsoft.com/office/drawing/2014/main" id="{9591AC80-976B-0CC3-7F7F-8502F8D06299}"/>
               </a:ext>
             </a:extLst>
           </p:cNvPr>
@@ -1659,7 +1659,7 @@
           <p:cNvPr id="5" name="文本占位符 4">
             <a:extLst>
               <a:ext uri="{FF2B5EF4-FFF2-40B4-BE49-F238E27FC236}">
-                <a16:creationId xmlns:a16="http://schemas.microsoft.com/office/drawing/2014/main" id="{5ED727A9-E662-A65F-DEBE-3B5C34E5CD3C}"/>
+                <a16:creationId xmlns:a16="http://schemas.microsoft.com/office/drawing/2014/main" id="{E74C7950-3286-BAB5-8782-2E72759C50A9}"/>
               </a:ext>
             </a:extLst>
           </p:cNvPr>
@@ -1730,7 +1730,7 @@
           <p:cNvPr id="6" name="内容占位符 5">
             <a:extLst>
               <a:ext uri="{FF2B5EF4-FFF2-40B4-BE49-F238E27FC236}">
-                <a16:creationId xmlns:a16="http://schemas.microsoft.com/office/drawing/2014/main" id="{9A666F6A-CA4D-89F7-CF64-919355F9EC69}"/>
+                <a16:creationId xmlns:a16="http://schemas.microsoft.com/office/drawing/2014/main" id="{3DECDB8D-9F5A-3BA3-95BA-C3AB0818E74C}"/>
               </a:ext>
             </a:extLst>
           </p:cNvPr>
@@ -1792,7 +1792,7 @@
           <p:cNvPr id="7" name="日期占位符 6">
             <a:extLst>
               <a:ext uri="{FF2B5EF4-FFF2-40B4-BE49-F238E27FC236}">
-                <a16:creationId xmlns:a16="http://schemas.microsoft.com/office/drawing/2014/main" id="{8EE73E43-5B45-B5DF-B46C-C0BCEC35CBCE}"/>
+                <a16:creationId xmlns:a16="http://schemas.microsoft.com/office/drawing/2014/main" id="{5AF1B0CA-95A8-6D3F-5BD7-66D064B5D023}"/>
               </a:ext>
             </a:extLst>
           </p:cNvPr>
@@ -1808,7 +1808,7 @@
           <a:bodyPr/>
           <a:lstStyle/>
           <a:p>
-            <a:fld id="{AFB696FD-DAA3-480B-9504-6C0D9ED5C193}" type="datetimeFigureOut">
+            <a:fld id="{76231495-5BF0-465B-9192-FFFB3D2A8667}" type="datetimeFigureOut">
               <a:rPr lang="zh-CN" altLang="en-US" smtClean="0"/>
               <a:t>2024/3/10</a:t>
             </a:fld>
@@ -1821,7 +1821,7 @@
           <p:cNvPr id="8" name="页脚占位符 7">
             <a:extLst>
               <a:ext uri="{FF2B5EF4-FFF2-40B4-BE49-F238E27FC236}">
-                <a16:creationId xmlns:a16="http://schemas.microsoft.com/office/drawing/2014/main" id="{7ED3AFAF-53F7-BFA0-D808-B5D05A95534F}"/>
+                <a16:creationId xmlns:a16="http://schemas.microsoft.com/office/drawing/2014/main" id="{EE985ADD-2643-B3F9-8F97-1CDE767367DE}"/>
               </a:ext>
             </a:extLst>
           </p:cNvPr>
@@ -1846,7 +1846,7 @@
           <p:cNvPr id="9" name="灯片编号占位符 8">
             <a:extLst>
               <a:ext uri="{FF2B5EF4-FFF2-40B4-BE49-F238E27FC236}">
-                <a16:creationId xmlns:a16="http://schemas.microsoft.com/office/drawing/2014/main" id="{D42EDA50-A19B-B0F8-BE5A-B7FAD5935F45}"/>
+                <a16:creationId xmlns:a16="http://schemas.microsoft.com/office/drawing/2014/main" id="{6C501039-C0B2-CE4B-838E-2EB6D724794A}"/>
               </a:ext>
             </a:extLst>
           </p:cNvPr>
@@ -1862,7 +1862,7 @@
           <a:bodyPr/>
           <a:lstStyle/>
           <a:p>
-            <a:fld id="{27D710B0-4FE3-4E21-A7BD-9B4FA4F5F5E5}" type="slidenum">
+            <a:fld id="{57CBA647-EE2D-49B9-B1D8-9D40297BB86E}" type="slidenum">
               <a:rPr lang="zh-CN" altLang="en-US" smtClean="0"/>
               <a:t>‹#›</a:t>
             </a:fld>
@@ -1873,7 +1873,7 @@
     </p:spTree>
     <p:extLst>
       <p:ext uri="{BB962C8B-B14F-4D97-AF65-F5344CB8AC3E}">
-        <p14:creationId xmlns:p14="http://schemas.microsoft.com/office/powerpoint/2010/main" val="2191498799"/>
+        <p14:creationId xmlns:p14="http://schemas.microsoft.com/office/powerpoint/2010/main" val="4011492912"/>
       </p:ext>
     </p:extLst>
   </p:cSld>
@@ -1905,7 +1905,7 @@
           <p:cNvPr id="2" name="标题 1">
             <a:extLst>
               <a:ext uri="{FF2B5EF4-FFF2-40B4-BE49-F238E27FC236}">
-                <a16:creationId xmlns:a16="http://schemas.microsoft.com/office/drawing/2014/main" id="{9AD2A690-1A27-A42A-7CA5-E6C6910E591D}"/>
+                <a16:creationId xmlns:a16="http://schemas.microsoft.com/office/drawing/2014/main" id="{577288F0-24B1-CB09-7890-CF0C95230395}"/>
               </a:ext>
             </a:extLst>
           </p:cNvPr>
@@ -1933,7 +1933,7 @@
           <p:cNvPr id="3" name="日期占位符 2">
             <a:extLst>
               <a:ext uri="{FF2B5EF4-FFF2-40B4-BE49-F238E27FC236}">
-                <a16:creationId xmlns:a16="http://schemas.microsoft.com/office/drawing/2014/main" id="{481A7E0D-9376-44F8-0418-E687C808E7CE}"/>
+                <a16:creationId xmlns:a16="http://schemas.microsoft.com/office/drawing/2014/main" id="{CC1C8CAD-74F4-8381-2FD4-49D5E63E28EC}"/>
               </a:ext>
             </a:extLst>
           </p:cNvPr>
@@ -1949,7 +1949,7 @@
           <a:bodyPr/>
           <a:lstStyle/>
           <a:p>
-            <a:fld id="{AFB696FD-DAA3-480B-9504-6C0D9ED5C193}" type="datetimeFigureOut">
+            <a:fld id="{76231495-5BF0-465B-9192-FFFB3D2A8667}" type="datetimeFigureOut">
               <a:rPr lang="zh-CN" altLang="en-US" smtClean="0"/>
               <a:t>2024/3/10</a:t>
             </a:fld>
@@ -1962,7 +1962,7 @@
           <p:cNvPr id="4" name="页脚占位符 3">
             <a:extLst>
               <a:ext uri="{FF2B5EF4-FFF2-40B4-BE49-F238E27FC236}">
-                <a16:creationId xmlns:a16="http://schemas.microsoft.com/office/drawing/2014/main" id="{6982AAE0-B60E-D597-EBAD-4AB56F8C46AC}"/>
+                <a16:creationId xmlns:a16="http://schemas.microsoft.com/office/drawing/2014/main" id="{C8510221-A1F0-82F6-32BB-EE88E85C8C2E}"/>
               </a:ext>
             </a:extLst>
           </p:cNvPr>
@@ -1987,7 +1987,7 @@
           <p:cNvPr id="5" name="灯片编号占位符 4">
             <a:extLst>
               <a:ext uri="{FF2B5EF4-FFF2-40B4-BE49-F238E27FC236}">
-                <a16:creationId xmlns:a16="http://schemas.microsoft.com/office/drawing/2014/main" id="{FDF67118-D273-620F-0C26-4C65092FE77D}"/>
+                <a16:creationId xmlns:a16="http://schemas.microsoft.com/office/drawing/2014/main" id="{5D67923E-A3F2-40BC-4761-5BC61F6FD335}"/>
               </a:ext>
             </a:extLst>
           </p:cNvPr>
@@ -2003,7 +2003,7 @@
           <a:bodyPr/>
           <a:lstStyle/>
           <a:p>
-            <a:fld id="{27D710B0-4FE3-4E21-A7BD-9B4FA4F5F5E5}" type="slidenum">
+            <a:fld id="{57CBA647-EE2D-49B9-B1D8-9D40297BB86E}" type="slidenum">
               <a:rPr lang="zh-CN" altLang="en-US" smtClean="0"/>
               <a:t>‹#›</a:t>
             </a:fld>
@@ -2014,7 +2014,7 @@
     </p:spTree>
     <p:extLst>
       <p:ext uri="{BB962C8B-B14F-4D97-AF65-F5344CB8AC3E}">
-        <p14:creationId xmlns:p14="http://schemas.microsoft.com/office/powerpoint/2010/main" val="1972722149"/>
+        <p14:creationId xmlns:p14="http://schemas.microsoft.com/office/powerpoint/2010/main" val="293133467"/>
       </p:ext>
     </p:extLst>
   </p:cSld>
@@ -2046,7 +2046,7 @@
           <p:cNvPr id="2" name="日期占位符 1">
             <a:extLst>
               <a:ext uri="{FF2B5EF4-FFF2-40B4-BE49-F238E27FC236}">
-                <a16:creationId xmlns:a16="http://schemas.microsoft.com/office/drawing/2014/main" id="{2FB31B29-BEA5-02CB-E5A3-DFD4ECE47CC0}"/>
+                <a16:creationId xmlns:a16="http://schemas.microsoft.com/office/drawing/2014/main" id="{D70AC005-1B73-FE80-3154-65A0246E2158}"/>
               </a:ext>
             </a:extLst>
           </p:cNvPr>
@@ -2062,7 +2062,7 @@
           <a:bodyPr/>
           <a:lstStyle/>
           <a:p>
-            <a:fld id="{AFB696FD-DAA3-480B-9504-6C0D9ED5C193}" type="datetimeFigureOut">
+            <a:fld id="{76231495-5BF0-465B-9192-FFFB3D2A8667}" type="datetimeFigureOut">
               <a:rPr lang="zh-CN" altLang="en-US" smtClean="0"/>
               <a:t>2024/3/10</a:t>
             </a:fld>
@@ -2075,7 +2075,7 @@
           <p:cNvPr id="3" name="页脚占位符 2">
             <a:extLst>
               <a:ext uri="{FF2B5EF4-FFF2-40B4-BE49-F238E27FC236}">
-                <a16:creationId xmlns:a16="http://schemas.microsoft.com/office/drawing/2014/main" id="{62D0F2C9-11A4-CBC0-690C-B6C0115A091E}"/>
+                <a16:creationId xmlns:a16="http://schemas.microsoft.com/office/drawing/2014/main" id="{58E50F2B-D0BC-DE36-197E-78F80CF2BBD6}"/>
               </a:ext>
             </a:extLst>
           </p:cNvPr>
@@ -2100,7 +2100,7 @@
           <p:cNvPr id="4" name="灯片编号占位符 3">
             <a:extLst>
               <a:ext uri="{FF2B5EF4-FFF2-40B4-BE49-F238E27FC236}">
-                <a16:creationId xmlns:a16="http://schemas.microsoft.com/office/drawing/2014/main" id="{95414C05-EDE9-1C90-ECDB-00686C5BA060}"/>
+                <a16:creationId xmlns:a16="http://schemas.microsoft.com/office/drawing/2014/main" id="{6142DBBD-4658-657A-FE93-8DF342DA3B9E}"/>
               </a:ext>
             </a:extLst>
           </p:cNvPr>
@@ -2116,7 +2116,7 @@
           <a:bodyPr/>
           <a:lstStyle/>
           <a:p>
-            <a:fld id="{27D710B0-4FE3-4E21-A7BD-9B4FA4F5F5E5}" type="slidenum">
+            <a:fld id="{57CBA647-EE2D-49B9-B1D8-9D40297BB86E}" type="slidenum">
               <a:rPr lang="zh-CN" altLang="en-US" smtClean="0"/>
               <a:t>‹#›</a:t>
             </a:fld>
@@ -2127,7 +2127,7 @@
     </p:spTree>
     <p:extLst>
       <p:ext uri="{BB962C8B-B14F-4D97-AF65-F5344CB8AC3E}">
-        <p14:creationId xmlns:p14="http://schemas.microsoft.com/office/powerpoint/2010/main" val="3018947196"/>
+        <p14:creationId xmlns:p14="http://schemas.microsoft.com/office/powerpoint/2010/main" val="3006110932"/>
       </p:ext>
     </p:extLst>
   </p:cSld>
@@ -2159,7 +2159,7 @@
           <p:cNvPr id="2" name="标题 1">
             <a:extLst>
               <a:ext uri="{FF2B5EF4-FFF2-40B4-BE49-F238E27FC236}">
-                <a16:creationId xmlns:a16="http://schemas.microsoft.com/office/drawing/2014/main" id="{D41AE40F-1EC1-5677-5487-A578C3D69843}"/>
+                <a16:creationId xmlns:a16="http://schemas.microsoft.com/office/drawing/2014/main" id="{1870CE70-5D21-B794-7A81-6F88FA566716}"/>
               </a:ext>
             </a:extLst>
           </p:cNvPr>
@@ -2196,7 +2196,7 @@
           <p:cNvPr id="3" name="内容占位符 2">
             <a:extLst>
               <a:ext uri="{FF2B5EF4-FFF2-40B4-BE49-F238E27FC236}">
-                <a16:creationId xmlns:a16="http://schemas.microsoft.com/office/drawing/2014/main" id="{2025E4AC-E244-D112-4249-A58878925C9C}"/>
+                <a16:creationId xmlns:a16="http://schemas.microsoft.com/office/drawing/2014/main" id="{33D5B7F1-43C3-BC18-6367-034CF2D0E14B}"/>
               </a:ext>
             </a:extLst>
           </p:cNvPr>
@@ -2286,7 +2286,7 @@
           <p:cNvPr id="4" name="文本占位符 3">
             <a:extLst>
               <a:ext uri="{FF2B5EF4-FFF2-40B4-BE49-F238E27FC236}">
-                <a16:creationId xmlns:a16="http://schemas.microsoft.com/office/drawing/2014/main" id="{4C327AEA-36B4-D210-2F56-30A2E65963EC}"/>
+                <a16:creationId xmlns:a16="http://schemas.microsoft.com/office/drawing/2014/main" id="{C80A0885-9803-7E38-3C23-E4AC82011495}"/>
               </a:ext>
             </a:extLst>
           </p:cNvPr>
@@ -2357,7 +2357,7 @@
           <p:cNvPr id="5" name="日期占位符 4">
             <a:extLst>
               <a:ext uri="{FF2B5EF4-FFF2-40B4-BE49-F238E27FC236}">
-                <a16:creationId xmlns:a16="http://schemas.microsoft.com/office/drawing/2014/main" id="{F2F8EDB5-3083-DC19-02BC-5C519746BD00}"/>
+                <a16:creationId xmlns:a16="http://schemas.microsoft.com/office/drawing/2014/main" id="{91FB34EB-C560-A6C9-27F3-3CF6A211E8D7}"/>
               </a:ext>
             </a:extLst>
           </p:cNvPr>
@@ -2373,7 +2373,7 @@
           <a:bodyPr/>
           <a:lstStyle/>
           <a:p>
-            <a:fld id="{AFB696FD-DAA3-480B-9504-6C0D9ED5C193}" type="datetimeFigureOut">
+            <a:fld id="{76231495-5BF0-465B-9192-FFFB3D2A8667}" type="datetimeFigureOut">
               <a:rPr lang="zh-CN" altLang="en-US" smtClean="0"/>
               <a:t>2024/3/10</a:t>
             </a:fld>
@@ -2386,7 +2386,7 @@
           <p:cNvPr id="6" name="页脚占位符 5">
             <a:extLst>
               <a:ext uri="{FF2B5EF4-FFF2-40B4-BE49-F238E27FC236}">
-                <a16:creationId xmlns:a16="http://schemas.microsoft.com/office/drawing/2014/main" id="{8666CF9C-B3AA-866D-F2F7-D328372A4A42}"/>
+                <a16:creationId xmlns:a16="http://schemas.microsoft.com/office/drawing/2014/main" id="{9AE69B63-829F-9547-DA2C-6358239AAC32}"/>
               </a:ext>
             </a:extLst>
           </p:cNvPr>
@@ -2411,7 +2411,7 @@
           <p:cNvPr id="7" name="灯片编号占位符 6">
             <a:extLst>
               <a:ext uri="{FF2B5EF4-FFF2-40B4-BE49-F238E27FC236}">
-                <a16:creationId xmlns:a16="http://schemas.microsoft.com/office/drawing/2014/main" id="{D26B7500-B58F-9E10-1209-9E1B5C339FDC}"/>
+                <a16:creationId xmlns:a16="http://schemas.microsoft.com/office/drawing/2014/main" id="{6119812A-39B0-4163-D852-416DD8FF56E4}"/>
               </a:ext>
             </a:extLst>
           </p:cNvPr>
@@ -2427,7 +2427,7 @@
           <a:bodyPr/>
           <a:lstStyle/>
           <a:p>
-            <a:fld id="{27D710B0-4FE3-4E21-A7BD-9B4FA4F5F5E5}" type="slidenum">
+            <a:fld id="{57CBA647-EE2D-49B9-B1D8-9D40297BB86E}" type="slidenum">
               <a:rPr lang="zh-CN" altLang="en-US" smtClean="0"/>
               <a:t>‹#›</a:t>
             </a:fld>
@@ -2438,7 +2438,7 @@
     </p:spTree>
     <p:extLst>
       <p:ext uri="{BB962C8B-B14F-4D97-AF65-F5344CB8AC3E}">
-        <p14:creationId xmlns:p14="http://schemas.microsoft.com/office/powerpoint/2010/main" val="499331410"/>
+        <p14:creationId xmlns:p14="http://schemas.microsoft.com/office/powerpoint/2010/main" val="106259287"/>
       </p:ext>
     </p:extLst>
   </p:cSld>
@@ -2470,7 +2470,7 @@
           <p:cNvPr id="2" name="标题 1">
             <a:extLst>
               <a:ext uri="{FF2B5EF4-FFF2-40B4-BE49-F238E27FC236}">
-                <a16:creationId xmlns:a16="http://schemas.microsoft.com/office/drawing/2014/main" id="{E3E0A06C-16BB-F2FD-D5BF-DA3DB8E88EED}"/>
+                <a16:creationId xmlns:a16="http://schemas.microsoft.com/office/drawing/2014/main" id="{84761D0A-96C1-0A5D-CDFB-21899F2E22B8}"/>
               </a:ext>
             </a:extLst>
           </p:cNvPr>
@@ -2507,7 +2507,7 @@
           <p:cNvPr id="3" name="图片占位符 2">
             <a:extLst>
               <a:ext uri="{FF2B5EF4-FFF2-40B4-BE49-F238E27FC236}">
-                <a16:creationId xmlns:a16="http://schemas.microsoft.com/office/drawing/2014/main" id="{568E967D-BE6B-8CB7-91F5-D00F2F3CC211}"/>
+                <a16:creationId xmlns:a16="http://schemas.microsoft.com/office/drawing/2014/main" id="{73A31585-6B75-C354-2016-9F85649108CA}"/>
               </a:ext>
             </a:extLst>
           </p:cNvPr>
@@ -2574,7 +2574,7 @@
           <p:cNvPr id="4" name="文本占位符 3">
             <a:extLst>
               <a:ext uri="{FF2B5EF4-FFF2-40B4-BE49-F238E27FC236}">
-                <a16:creationId xmlns:a16="http://schemas.microsoft.com/office/drawing/2014/main" id="{425F7390-9838-26B8-5BF4-84B1515B6BDD}"/>
+                <a16:creationId xmlns:a16="http://schemas.microsoft.com/office/drawing/2014/main" id="{E07D81E2-2232-8BCB-0C22-BD2194983B76}"/>
               </a:ext>
             </a:extLst>
           </p:cNvPr>
@@ -2645,7 +2645,7 @@
           <p:cNvPr id="5" name="日期占位符 4">
             <a:extLst>
               <a:ext uri="{FF2B5EF4-FFF2-40B4-BE49-F238E27FC236}">
-                <a16:creationId xmlns:a16="http://schemas.microsoft.com/office/drawing/2014/main" id="{3C585842-3880-02A1-A35F-1FFF00F37CAD}"/>
+                <a16:creationId xmlns:a16="http://schemas.microsoft.com/office/drawing/2014/main" id="{D75B98E5-11A1-21FE-14E4-1CA1CD41AB1B}"/>
               </a:ext>
             </a:extLst>
           </p:cNvPr>
@@ -2661,7 +2661,7 @@
           <a:bodyPr/>
           <a:lstStyle/>
           <a:p>
-            <a:fld id="{AFB696FD-DAA3-480B-9504-6C0D9ED5C193}" type="datetimeFigureOut">
+            <a:fld id="{76231495-5BF0-465B-9192-FFFB3D2A8667}" type="datetimeFigureOut">
               <a:rPr lang="zh-CN" altLang="en-US" smtClean="0"/>
               <a:t>2024/3/10</a:t>
             </a:fld>
@@ -2674,7 +2674,7 @@
           <p:cNvPr id="6" name="页脚占位符 5">
             <a:extLst>
               <a:ext uri="{FF2B5EF4-FFF2-40B4-BE49-F238E27FC236}">
-                <a16:creationId xmlns:a16="http://schemas.microsoft.com/office/drawing/2014/main" id="{FDCD3038-EA0A-54E1-09AE-643790D70B06}"/>
+                <a16:creationId xmlns:a16="http://schemas.microsoft.com/office/drawing/2014/main" id="{5E97A592-7FB6-A7D9-3492-2AD0EBD3F802}"/>
               </a:ext>
             </a:extLst>
           </p:cNvPr>
@@ -2699,7 +2699,7 @@
           <p:cNvPr id="7" name="灯片编号占位符 6">
             <a:extLst>
               <a:ext uri="{FF2B5EF4-FFF2-40B4-BE49-F238E27FC236}">
-                <a16:creationId xmlns:a16="http://schemas.microsoft.com/office/drawing/2014/main" id="{55029954-B764-ABB5-677C-DB2998F150FF}"/>
+                <a16:creationId xmlns:a16="http://schemas.microsoft.com/office/drawing/2014/main" id="{0796F7DC-3367-0D5D-BFEE-ACC44B0F5CAE}"/>
               </a:ext>
             </a:extLst>
           </p:cNvPr>
@@ -2715,7 +2715,7 @@
           <a:bodyPr/>
           <a:lstStyle/>
           <a:p>
-            <a:fld id="{27D710B0-4FE3-4E21-A7BD-9B4FA4F5F5E5}" type="slidenum">
+            <a:fld id="{57CBA647-EE2D-49B9-B1D8-9D40297BB86E}" type="slidenum">
               <a:rPr lang="zh-CN" altLang="en-US" smtClean="0"/>
               <a:t>‹#›</a:t>
             </a:fld>
@@ -2726,7 +2726,7 @@
     </p:spTree>
     <p:extLst>
       <p:ext uri="{BB962C8B-B14F-4D97-AF65-F5344CB8AC3E}">
-        <p14:creationId xmlns:p14="http://schemas.microsoft.com/office/powerpoint/2010/main" val="4048682781"/>
+        <p14:creationId xmlns:p14="http://schemas.microsoft.com/office/powerpoint/2010/main" val="3688951552"/>
       </p:ext>
     </p:extLst>
   </p:cSld>
@@ -2763,7 +2763,7 @@
           <p:cNvPr id="2" name="标题占位符 1">
             <a:extLst>
               <a:ext uri="{FF2B5EF4-FFF2-40B4-BE49-F238E27FC236}">
-                <a16:creationId xmlns:a16="http://schemas.microsoft.com/office/drawing/2014/main" id="{CB683612-D183-084C-D008-DCCAA6804E78}"/>
+                <a16:creationId xmlns:a16="http://schemas.microsoft.com/office/drawing/2014/main" id="{80AD9E96-F47E-435B-166E-F00787FE74DD}"/>
               </a:ext>
             </a:extLst>
           </p:cNvPr>
@@ -2801,7 +2801,7 @@
           <p:cNvPr id="3" name="文本占位符 2">
             <a:extLst>
               <a:ext uri="{FF2B5EF4-FFF2-40B4-BE49-F238E27FC236}">
-                <a16:creationId xmlns:a16="http://schemas.microsoft.com/office/drawing/2014/main" id="{1959D61C-2A8D-C2D4-CBCF-B88382F55232}"/>
+                <a16:creationId xmlns:a16="http://schemas.microsoft.com/office/drawing/2014/main" id="{66EB6650-EF93-7EA4-073C-B31C5CC98410}"/>
               </a:ext>
             </a:extLst>
           </p:cNvPr>
@@ -2868,7 +2868,7 @@
           <p:cNvPr id="4" name="日期占位符 3">
             <a:extLst>
               <a:ext uri="{FF2B5EF4-FFF2-40B4-BE49-F238E27FC236}">
-                <a16:creationId xmlns:a16="http://schemas.microsoft.com/office/drawing/2014/main" id="{A16A0F75-7C09-00F6-C262-4DA7E3F4A0BC}"/>
+                <a16:creationId xmlns:a16="http://schemas.microsoft.com/office/drawing/2014/main" id="{A9976CFD-8337-90B4-E969-E1D04E2C8D4A}"/>
               </a:ext>
             </a:extLst>
           </p:cNvPr>
@@ -2902,7 +2902,7 @@
             </a:lvl1pPr>
           </a:lstStyle>
           <a:p>
-            <a:fld id="{AFB696FD-DAA3-480B-9504-6C0D9ED5C193}" type="datetimeFigureOut">
+            <a:fld id="{76231495-5BF0-465B-9192-FFFB3D2A8667}" type="datetimeFigureOut">
               <a:rPr lang="zh-CN" altLang="en-US" smtClean="0"/>
               <a:t>2024/3/10</a:t>
             </a:fld>
@@ -2915,7 +2915,7 @@
           <p:cNvPr id="5" name="页脚占位符 4">
             <a:extLst>
               <a:ext uri="{FF2B5EF4-FFF2-40B4-BE49-F238E27FC236}">
-                <a16:creationId xmlns:a16="http://schemas.microsoft.com/office/drawing/2014/main" id="{E28C1EDD-6524-DF4B-D2F4-94A88256E8CA}"/>
+                <a16:creationId xmlns:a16="http://schemas.microsoft.com/office/drawing/2014/main" id="{A874B389-7AD2-8E39-F21F-C41C879412C0}"/>
               </a:ext>
             </a:extLst>
           </p:cNvPr>
@@ -2958,7 +2958,7 @@
           <p:cNvPr id="6" name="灯片编号占位符 5">
             <a:extLst>
               <a:ext uri="{FF2B5EF4-FFF2-40B4-BE49-F238E27FC236}">
-                <a16:creationId xmlns:a16="http://schemas.microsoft.com/office/drawing/2014/main" id="{B8D65112-5CCC-957E-9F96-8D58744CCCE2}"/>
+                <a16:creationId xmlns:a16="http://schemas.microsoft.com/office/drawing/2014/main" id="{32ADD0C8-579C-9EEB-0F07-2F6103AEC23A}"/>
               </a:ext>
             </a:extLst>
           </p:cNvPr>
@@ -2992,7 +2992,7 @@
             </a:lvl1pPr>
           </a:lstStyle>
           <a:p>
-            <a:fld id="{27D710B0-4FE3-4E21-A7BD-9B4FA4F5F5E5}" type="slidenum">
+            <a:fld id="{57CBA647-EE2D-49B9-B1D8-9D40297BB86E}" type="slidenum">
               <a:rPr lang="zh-CN" altLang="en-US" smtClean="0"/>
               <a:t>‹#›</a:t>
             </a:fld>
@@ -3003,7 +3003,7 @@
     </p:spTree>
     <p:extLst>
       <p:ext uri="{BB962C8B-B14F-4D97-AF65-F5344CB8AC3E}">
-        <p14:creationId xmlns:p14="http://schemas.microsoft.com/office/powerpoint/2010/main" val="353049214"/>
+        <p14:creationId xmlns:p14="http://schemas.microsoft.com/office/powerpoint/2010/main" val="1486558550"/>
       </p:ext>
     </p:extLst>
   </p:cSld>
@@ -3323,7 +3323,7 @@
       </p:grpSpPr>
       <p:pic>
         <p:nvPicPr>
-          <p:cNvPr id="704514" name="Picture 2" descr="687"/>
+          <p:cNvPr id="705538" name="Picture 2" descr="688"/>
           <p:cNvPicPr>
             <a:picLocks noChangeAspect="1" noChangeArrowheads="1"/>
           </p:cNvPicPr>
